--- a/Securizarea comunicării și protejarea datelor cu PGP -.pptx
+++ b/Securizarea comunicării și protejarea datelor cu PGP -.pptx
@@ -5,26 +5,30 @@
     <p:sldMasterId id="2147483712" r:id="rId1"/>
   </p:sldMasterIdLst>
   <p:notesMasterIdLst>
-    <p:notesMasterId r:id="rId16"/>
+    <p:notesMasterId r:id="rId20"/>
   </p:notesMasterIdLst>
   <p:handoutMasterIdLst>
-    <p:handoutMasterId r:id="rId17"/>
+    <p:handoutMasterId r:id="rId21"/>
   </p:handoutMasterIdLst>
   <p:sldIdLst>
     <p:sldId id="257" r:id="rId2"/>
     <p:sldId id="258" r:id="rId3"/>
     <p:sldId id="260" r:id="rId4"/>
-    <p:sldId id="259" r:id="rId5"/>
-    <p:sldId id="261" r:id="rId6"/>
-    <p:sldId id="262" r:id="rId7"/>
-    <p:sldId id="263" r:id="rId8"/>
-    <p:sldId id="264" r:id="rId9"/>
-    <p:sldId id="265" r:id="rId10"/>
-    <p:sldId id="266" r:id="rId11"/>
-    <p:sldId id="267" r:id="rId12"/>
-    <p:sldId id="272" r:id="rId13"/>
-    <p:sldId id="270" r:id="rId14"/>
-    <p:sldId id="271" r:id="rId15"/>
+    <p:sldId id="276" r:id="rId5"/>
+    <p:sldId id="259" r:id="rId6"/>
+    <p:sldId id="273" r:id="rId7"/>
+    <p:sldId id="261" r:id="rId8"/>
+    <p:sldId id="274" r:id="rId9"/>
+    <p:sldId id="262" r:id="rId10"/>
+    <p:sldId id="263" r:id="rId11"/>
+    <p:sldId id="264" r:id="rId12"/>
+    <p:sldId id="265" r:id="rId13"/>
+    <p:sldId id="275" r:id="rId14"/>
+    <p:sldId id="266" r:id="rId15"/>
+    <p:sldId id="267" r:id="rId16"/>
+    <p:sldId id="272" r:id="rId17"/>
+    <p:sldId id="270" r:id="rId18"/>
+    <p:sldId id="271" r:id="rId19"/>
   </p:sldIdLst>
   <p:sldSz cx="12192000" cy="6858000"/>
   <p:notesSz cx="6858000" cy="9144000"/>
@@ -218,7 +222,7 @@
             <a:pPr rtl="0"/>
             <a:fld id="{DA6197C0-6F93-4DDC-B388-4A311E383667}" type="datetime1">
               <a:rPr lang="ro-RO" smtClean="0"/>
-              <a:t>26.03.2023</a:t>
+              <a:t>01.04.2023</a:t>
             </a:fld>
             <a:endParaRPr lang="en-US" dirty="0"/>
           </a:p>
@@ -388,7 +392,7 @@
             <a:pPr rtl="0"/>
             <a:fld id="{FA82B259-CE05-48A8-846C-C8EDA67478E8}" type="datetime1">
               <a:rPr lang="ro-RO" smtClean="0"/>
-              <a:t>26.03.2023</a:t>
+              <a:t>01.04.2023</a:t>
             </a:fld>
             <a:endParaRPr lang="en-US"/>
           </a:p>
@@ -912,7 +916,7 @@
           <a:p>
             <a:fld id="{2B3D9822-F745-4969-8F51-CE3D9A133CC3}" type="datetime1">
               <a:rPr lang="ro-RO" smtClean="0"/>
-              <a:t>26.03.2023</a:t>
+              <a:t>01.04.2023</a:t>
             </a:fld>
             <a:endParaRPr lang="en-US" dirty="0"/>
           </a:p>
@@ -1160,7 +1164,7 @@
           <a:p>
             <a:fld id="{76F66030-6DC7-4A96-8E20-64D1D0689F4F}" type="datetime1">
               <a:rPr lang="ro-RO" smtClean="0"/>
-              <a:t>26.03.2023</a:t>
+              <a:t>01.04.2023</a:t>
             </a:fld>
             <a:endParaRPr lang="en-US" dirty="0"/>
           </a:p>
@@ -1578,7 +1582,7 @@
           <a:p>
             <a:fld id="{1E671349-DF77-4E34-911C-07362C92D6EC}" type="datetime1">
               <a:rPr lang="ro-RO" smtClean="0"/>
-              <a:t>26.03.2023</a:t>
+              <a:t>01.04.2023</a:t>
             </a:fld>
             <a:endParaRPr lang="en-US" dirty="0"/>
           </a:p>
@@ -1837,7 +1841,7 @@
           <a:p>
             <a:fld id="{9C9A9B65-20C9-4F15-B5F6-7E0990AFCC4E}" type="datetime1">
               <a:rPr lang="ro-RO" smtClean="0"/>
-              <a:t>26.03.2023</a:t>
+              <a:t>01.04.2023</a:t>
             </a:fld>
             <a:endParaRPr lang="en-US" dirty="0"/>
           </a:p>
@@ -2176,7 +2180,7 @@
           <a:p>
             <a:fld id="{08DF754F-32BA-4731-A459-60104E25B93A}" type="datetime1">
               <a:rPr lang="ro-RO" smtClean="0"/>
-              <a:t>26.03.2023</a:t>
+              <a:t>01.04.2023</a:t>
             </a:fld>
             <a:endParaRPr lang="en-US" dirty="0"/>
           </a:p>
@@ -2521,7 +2525,7 @@
           <a:p>
             <a:fld id="{51A65E23-EA59-41B4-A1E4-EEE90F543A0C}" type="datetime1">
               <a:rPr lang="ro-RO" smtClean="0"/>
-              <a:t>26.03.2023</a:t>
+              <a:t>01.04.2023</a:t>
             </a:fld>
             <a:endParaRPr lang="en-US" dirty="0"/>
           </a:p>
@@ -3039,7 +3043,7 @@
           <a:p>
             <a:fld id="{7D1FFDA9-070E-4CF9-ABA9-00A1DA330F15}" type="datetime1">
               <a:rPr lang="ro-RO" smtClean="0"/>
-              <a:t>26.03.2023</a:t>
+              <a:t>01.04.2023</a:t>
             </a:fld>
             <a:endParaRPr lang="en-US" dirty="0"/>
           </a:p>
@@ -3192,7 +3196,7 @@
           <a:p>
             <a:fld id="{CA9CD5ED-0DD8-4639-A0CC-A7E7F3EE93BA}" type="datetime1">
               <a:rPr lang="ro-RO" smtClean="0"/>
-              <a:t>26.03.2023</a:t>
+              <a:t>01.04.2023</a:t>
             </a:fld>
             <a:endParaRPr lang="en-US" dirty="0"/>
           </a:p>
@@ -3303,7 +3307,7 @@
             <a:pPr rtl="0"/>
             <a:fld id="{B8BCEB24-D323-41FF-9618-0B1F209F6ED8}" type="datetime1">
               <a:rPr lang="ro-RO" smtClean="0"/>
-              <a:t>26.03.2023</a:t>
+              <a:t>01.04.2023</a:t>
             </a:fld>
             <a:endParaRPr lang="en-US" dirty="0"/>
           </a:p>
@@ -3704,7 +3708,7 @@
           <a:p>
             <a:fld id="{B4EBE38A-E62D-4B2B-A880-291B8DDFFC9C}" type="datetime1">
               <a:rPr lang="ro-RO" smtClean="0"/>
-              <a:t>26.03.2023</a:t>
+              <a:t>01.04.2023</a:t>
             </a:fld>
             <a:endParaRPr lang="en-US" dirty="0"/>
           </a:p>
@@ -4028,7 +4032,7 @@
           <a:p>
             <a:fld id="{71FEEC99-4875-42DD-AC2F-168DB28E55D8}" type="datetime1">
               <a:rPr lang="ro-RO" smtClean="0"/>
-              <a:t>26.03.2023</a:t>
+              <a:t>01.04.2023</a:t>
             </a:fld>
             <a:endParaRPr lang="en-US" dirty="0"/>
           </a:p>
@@ -4260,7 +4264,7 @@
           <a:p>
             <a:fld id="{CBF944F3-8485-4BDC-BABF-34C8B30917A7}" type="datetime1">
               <a:rPr lang="ro-RO" smtClean="0"/>
-              <a:t>26.03.2023</a:t>
+              <a:t>01.04.2023</a:t>
             </a:fld>
             <a:endParaRPr lang="en-US" dirty="0"/>
           </a:p>
@@ -4883,14 +4887,6 @@
 <file path=ppt/slides/slide1.xml><?xml version="1.0" encoding="utf-8"?>
 <p:sld xmlns:a="http://schemas.openxmlformats.org/drawingml/2006/main" xmlns:r="http://schemas.openxmlformats.org/officeDocument/2006/relationships" xmlns:p="http://schemas.openxmlformats.org/presentationml/2006/main">
   <p:cSld>
-    <p:bg>
-      <p:bgPr>
-        <a:solidFill>
-          <a:schemeClr val="bg1"/>
-        </a:solidFill>
-        <a:effectLst/>
-      </p:bgPr>
-    </p:bg>
     <p:spTree>
       <p:nvGrpSpPr>
         <p:cNvPr id="1" name=""/>
@@ -4905,66 +4901,6 @@
           <a:chExt cx="0" cy="0"/>
         </a:xfrm>
       </p:grpSpPr>
-      <p:sp useBgFill="1">
-        <p:nvSpPr>
-          <p:cNvPr id="18" name="Dreptunghi 17">
-            <a:extLst>
-              <a:ext uri="{FF2B5EF4-FFF2-40B4-BE49-F238E27FC236}">
-                <a16:creationId xmlns:a16="http://schemas.microsoft.com/office/drawing/2014/main" id="{D6D7A0BC-0046-4CAA-8E7F-DCAFE511EA0E}"/>
-              </a:ext>
-              <a:ext uri="{C183D7F6-B498-43B3-948B-1728B52AA6E4}">
-                <adec:decorative xmlns:adec="http://schemas.microsoft.com/office/drawing/2017/decorative" val="1"/>
-              </a:ext>
-            </a:extLst>
-          </p:cNvPr>
-          <p:cNvSpPr>
-            <a:spLocks noGrp="1" noRot="1" noChangeAspect="1" noMove="1" noResize="1" noEditPoints="1" noAdjustHandles="1" noChangeArrowheads="1" noChangeShapeType="1" noTextEdit="1"/>
-          </p:cNvSpPr>
-          <p:nvPr>
-            <p:extLst>
-              <p:ext uri="{386F3935-93C4-4BCD-93E2-E3B085C9AB24}">
-                <p16:designElem xmlns:p16="http://schemas.microsoft.com/office/powerpoint/2015/main" val="1"/>
-              </p:ext>
-            </p:extLst>
-          </p:nvPr>
-        </p:nvSpPr>
-        <p:spPr>
-          <a:xfrm>
-            <a:off x="0" y="0"/>
-            <a:ext cx="12192000" cy="6858000"/>
-          </a:xfrm>
-          <a:prstGeom prst="rect">
-            <a:avLst/>
-          </a:prstGeom>
-          <a:ln>
-            <a:noFill/>
-          </a:ln>
-        </p:spPr>
-        <p:style>
-          <a:lnRef idx="2">
-            <a:schemeClr val="accent1">
-              <a:shade val="50000"/>
-            </a:schemeClr>
-          </a:lnRef>
-          <a:fillRef idx="1">
-            <a:schemeClr val="accent1"/>
-          </a:fillRef>
-          <a:effectRef idx="0">
-            <a:schemeClr val="accent1"/>
-          </a:effectRef>
-          <a:fontRef idx="minor">
-            <a:schemeClr val="lt1"/>
-          </a:fontRef>
-        </p:style>
-        <p:txBody>
-          <a:bodyPr rtlCol="0" anchor="ctr"/>
-          <a:lstStyle/>
-          <a:p>
-            <a:pPr algn="ctr" rtl="0"/>
-            <a:endParaRPr lang="en-US"/>
-          </a:p>
-        </p:txBody>
-      </p:sp>
       <p:sp>
         <p:nvSpPr>
           <p:cNvPr id="2" name="Titlu 1">
@@ -4978,36 +4914,75 @@
             <a:spLocks noGrp="1"/>
           </p:cNvSpPr>
           <p:nvPr>
-            <p:ph type="ctrTitle"/>
+            <p:ph type="title"/>
           </p:nvPr>
         </p:nvSpPr>
         <p:spPr>
           <a:xfrm>
-            <a:off x="581191" y="1020431"/>
-            <a:ext cx="10993549" cy="1475013"/>
+            <a:off x="581193" y="4693389"/>
+            <a:ext cx="11029616" cy="566738"/>
           </a:xfrm>
         </p:spPr>
         <p:txBody>
-          <a:bodyPr rtlCol="0">
-            <a:normAutofit fontScale="90000"/>
+          <a:bodyPr rtlCol="0" anchor="b">
+            <a:normAutofit/>
           </a:bodyPr>
           <a:lstStyle/>
           <a:p>
-            <a:pPr rtl="0"/>
-            <a:r>
-              <a:rPr lang="pt-BR" b="0" i="0" dirty="0">
-                <a:solidFill>
-                  <a:srgbClr val="374151"/>
-                </a:solidFill>
+            <a:pPr rtl="0">
+              <a:lnSpc>
+                <a:spcPct val="90000"/>
+              </a:lnSpc>
+            </a:pPr>
+            <a:r>
+              <a:rPr lang="pt-BR" sz="1700" b="0" i="0">
                 <a:effectLst/>
-                <a:latin typeface="Söhne"/>
               </a:rPr>
               <a:t>Prezentarea facilităților criptografice și de semnătură ale programului PGP (Pretty Good Privacy), Certificate PGP și stabilirea relațiilor de încredere</a:t>
             </a:r>
-            <a:endParaRPr lang="ro" dirty="0"/>
-          </a:p>
-        </p:txBody>
-      </p:sp>
+            <a:endParaRPr lang="ro" sz="1700"/>
+          </a:p>
+        </p:txBody>
+      </p:sp>
+      <p:pic>
+        <p:nvPicPr>
+          <p:cNvPr id="4100" name="Picture 4">
+            <a:extLst>
+              <a:ext uri="{FF2B5EF4-FFF2-40B4-BE49-F238E27FC236}">
+                <a16:creationId xmlns:a16="http://schemas.microsoft.com/office/drawing/2014/main" id="{CD1DF4D2-1BDE-3F50-C9CF-6CFE0AF78397}"/>
+              </a:ext>
+            </a:extLst>
+          </p:cNvPr>
+          <p:cNvPicPr>
+            <a:picLocks noChangeAspect="1" noChangeArrowheads="1"/>
+          </p:cNvPicPr>
+          <p:nvPr/>
+        </p:nvPicPr>
+        <p:blipFill>
+          <a:blip r:embed="rId2">
+            <a:extLst>
+              <a:ext uri="{28A0092B-C50C-407E-A947-70E740481C1C}">
+                <a14:useLocalDpi xmlns:a14="http://schemas.microsoft.com/office/drawing/2010/main" val="0"/>
+              </a:ext>
+            </a:extLst>
+          </a:blip>
+          <a:stretch>
+            <a:fillRect/>
+          </a:stretch>
+        </p:blipFill>
+        <p:spPr bwMode="auto">
+          <a:xfrm>
+            <a:off x="2441997" y="641350"/>
+            <a:ext cx="7302498" cy="3651249"/>
+          </a:xfrm>
+          <a:prstGeom prst="rect">
+            <a:avLst/>
+          </a:prstGeom>
+          <a:solidFill>
+            <a:srgbClr val="FFFFFF"/>
+          </a:solidFill>
+        </p:spPr>
+      </p:pic>
       <p:sp>
         <p:nvSpPr>
           <p:cNvPr id="3" name="Subtitlu 2">
@@ -5021,17 +4996,17 @@
             <a:spLocks noGrp="1"/>
           </p:cNvSpPr>
           <p:nvPr>
-            <p:ph type="subTitle" idx="1"/>
+            <p:ph type="body" sz="half" idx="2"/>
           </p:nvPr>
         </p:nvSpPr>
         <p:spPr>
           <a:xfrm>
-            <a:off x="581194" y="2495445"/>
-            <a:ext cx="10993546" cy="468233"/>
+            <a:off x="581192" y="5260127"/>
+            <a:ext cx="11029617" cy="998148"/>
           </a:xfrm>
         </p:spPr>
         <p:txBody>
-          <a:bodyPr rtlCol="0">
+          <a:bodyPr rtlCol="0" anchor="t">
             <a:normAutofit/>
           </a:bodyPr>
           <a:lstStyle/>
@@ -5046,201 +5021,48 @@
       </p:sp>
       <p:sp>
         <p:nvSpPr>
-          <p:cNvPr id="20" name="Dreptunghi 19">
+          <p:cNvPr id="4105" name="Date Placeholder 4">
             <a:extLst>
               <a:ext uri="{FF2B5EF4-FFF2-40B4-BE49-F238E27FC236}">
-                <a16:creationId xmlns:a16="http://schemas.microsoft.com/office/drawing/2014/main" id="{E7C6334F-6411-41EC-AD7D-179EDD8B58CB}"/>
-              </a:ext>
-              <a:ext uri="{C183D7F6-B498-43B3-948B-1728B52AA6E4}">
-                <adec:decorative xmlns:adec="http://schemas.microsoft.com/office/drawing/2017/decorative" val="1"/>
+                <a16:creationId xmlns:a16="http://schemas.microsoft.com/office/drawing/2014/main" id="{594A149F-6AA5-D2F1-79EE-0EB06647674D}"/>
               </a:ext>
             </a:extLst>
           </p:cNvPr>
           <p:cNvSpPr>
-            <a:spLocks noGrp="1" noRot="1" noChangeAspect="1" noMove="1" noResize="1" noEditPoints="1" noAdjustHandles="1" noChangeArrowheads="1" noChangeShapeType="1" noTextEdit="1"/>
-          </p:cNvSpPr>
-          <p:nvPr>
-            <p:extLst>
-              <p:ext uri="{386F3935-93C4-4BCD-93E2-E3B085C9AB24}">
-                <p16:designElem xmlns:p16="http://schemas.microsoft.com/office/powerpoint/2015/main" val="1"/>
-              </p:ext>
-            </p:extLst>
+            <a:spLocks noGrp="1"/>
+          </p:cNvSpPr>
+          <p:nvPr>
+            <p:ph type="dt" sz="half" idx="10"/>
           </p:nvPr>
         </p:nvSpPr>
         <p:spPr>
           <a:xfrm>
-            <a:off x="446534" y="457200"/>
-            <a:ext cx="3703320" cy="94997"/>
+            <a:off x="7605951" y="6423914"/>
+            <a:ext cx="2844799" cy="365125"/>
           </a:xfrm>
-          <a:prstGeom prst="rect">
-            <a:avLst/>
-          </a:prstGeom>
-          <a:solidFill>
-            <a:srgbClr val="465359"/>
-          </a:solidFill>
-          <a:ln>
-            <a:noFill/>
-          </a:ln>
-          <a:effectLst/>
         </p:spPr>
-        <p:style>
-          <a:lnRef idx="1">
-            <a:schemeClr val="accent1"/>
-          </a:lnRef>
-          <a:fillRef idx="3">
-            <a:schemeClr val="accent1"/>
-          </a:fillRef>
-          <a:effectRef idx="2">
-            <a:schemeClr val="accent1"/>
-          </a:effectRef>
-          <a:fontRef idx="minor">
-            <a:schemeClr val="lt1"/>
-          </a:fontRef>
-        </p:style>
-      </p:sp>
-      <p:sp>
-        <p:nvSpPr>
-          <p:cNvPr id="22" name="Dreptunghi 21">
-            <a:extLst>
-              <a:ext uri="{FF2B5EF4-FFF2-40B4-BE49-F238E27FC236}">
-                <a16:creationId xmlns:a16="http://schemas.microsoft.com/office/drawing/2014/main" id="{E6B02CEE-3AF8-4349-9B3E-8970E6DF62B3}"/>
-              </a:ext>
-              <a:ext uri="{C183D7F6-B498-43B3-948B-1728B52AA6E4}">
-                <adec:decorative xmlns:adec="http://schemas.microsoft.com/office/drawing/2017/decorative" val="1"/>
-              </a:ext>
-            </a:extLst>
-          </p:cNvPr>
-          <p:cNvSpPr>
-            <a:spLocks noGrp="1" noRot="1" noChangeAspect="1" noMove="1" noResize="1" noEditPoints="1" noAdjustHandles="1" noChangeArrowheads="1" noChangeShapeType="1" noTextEdit="1"/>
-          </p:cNvSpPr>
-          <p:nvPr>
-            <p:extLst>
-              <p:ext uri="{386F3935-93C4-4BCD-93E2-E3B085C9AB24}">
-                <p16:designElem xmlns:p16="http://schemas.microsoft.com/office/powerpoint/2015/main" val="1"/>
-              </p:ext>
-            </p:extLst>
-          </p:nvPr>
-        </p:nvSpPr>
-        <p:spPr>
-          <a:xfrm>
-            <a:off x="4241830" y="457200"/>
-            <a:ext cx="3703320" cy="91440"/>
-          </a:xfrm>
-          <a:prstGeom prst="rect">
-            <a:avLst/>
-          </a:prstGeom>
-          <a:solidFill>
-            <a:schemeClr val="accent1"/>
-          </a:solidFill>
-          <a:ln>
-            <a:noFill/>
-          </a:ln>
-          <a:effectLst/>
-        </p:spPr>
-        <p:style>
-          <a:lnRef idx="1">
-            <a:schemeClr val="accent1"/>
-          </a:lnRef>
-          <a:fillRef idx="3">
-            <a:schemeClr val="accent1"/>
-          </a:fillRef>
-          <a:effectRef idx="2">
-            <a:schemeClr val="accent1"/>
-          </a:effectRef>
-          <a:fontRef idx="minor">
-            <a:schemeClr val="lt1"/>
-          </a:fontRef>
-        </p:style>
-      </p:sp>
-      <p:sp>
-        <p:nvSpPr>
-          <p:cNvPr id="24" name="Dreptunghi 23">
-            <a:extLst>
-              <a:ext uri="{FF2B5EF4-FFF2-40B4-BE49-F238E27FC236}">
-                <a16:creationId xmlns:a16="http://schemas.microsoft.com/office/drawing/2014/main" id="{AAA01CF0-3FB5-44EB-B7DE-F2E86374C2FB}"/>
-              </a:ext>
-              <a:ext uri="{C183D7F6-B498-43B3-948B-1728B52AA6E4}">
-                <adec:decorative xmlns:adec="http://schemas.microsoft.com/office/drawing/2017/decorative" val="1"/>
-              </a:ext>
-            </a:extLst>
-          </p:cNvPr>
-          <p:cNvSpPr>
-            <a:spLocks noGrp="1" noRot="1" noChangeAspect="1" noMove="1" noResize="1" noEditPoints="1" noAdjustHandles="1" noChangeArrowheads="1" noChangeShapeType="1" noTextEdit="1"/>
-          </p:cNvSpPr>
-          <p:nvPr>
-            <p:extLst>
-              <p:ext uri="{386F3935-93C4-4BCD-93E2-E3B085C9AB24}">
-                <p16:designElem xmlns:p16="http://schemas.microsoft.com/office/powerpoint/2015/main" val="1"/>
-              </p:ext>
-            </p:extLst>
-          </p:nvPr>
-        </p:nvSpPr>
-        <p:spPr>
-          <a:xfrm>
-            <a:off x="8042147" y="453643"/>
-            <a:ext cx="3703320" cy="98554"/>
-          </a:xfrm>
-          <a:prstGeom prst="rect">
-            <a:avLst/>
-          </a:prstGeom>
-          <a:solidFill>
-            <a:srgbClr val="969FA7"/>
-          </a:solidFill>
-          <a:ln>
-            <a:noFill/>
-          </a:ln>
-          <a:effectLst/>
-        </p:spPr>
-        <p:style>
-          <a:lnRef idx="1">
-            <a:schemeClr val="accent1"/>
-          </a:lnRef>
-          <a:fillRef idx="3">
-            <a:schemeClr val="accent1"/>
-          </a:fillRef>
-          <a:effectRef idx="2">
-            <a:schemeClr val="accent1"/>
-          </a:effectRef>
-          <a:fontRef idx="minor">
-            <a:schemeClr val="lt1"/>
-          </a:fontRef>
-        </p:style>
-      </p:sp>
-      <p:pic>
-        <p:nvPicPr>
-          <p:cNvPr id="6" name="Imagine 5" descr="Siglă văzută de aproape&#10;&#10;Descriere generată automat">
-            <a:extLst>
-              <a:ext uri="{FF2B5EF4-FFF2-40B4-BE49-F238E27FC236}">
-                <a16:creationId xmlns:a16="http://schemas.microsoft.com/office/drawing/2014/main" id="{F1A8C364-94D4-4630-BAD0-78722F347055}"/>
-              </a:ext>
-            </a:extLst>
-          </p:cNvPr>
-          <p:cNvPicPr>
-            <a:picLocks noChangeAspect="1"/>
-          </p:cNvPicPr>
-          <p:nvPr/>
-        </p:nvPicPr>
-        <p:blipFill rotWithShape="1">
-          <a:blip r:embed="rId2" cstate="hqprint">
-            <a:extLst>
-              <a:ext uri="{28A0092B-C50C-407E-A947-70E740481C1C}">
-                <a14:useLocalDpi xmlns:a14="http://schemas.microsoft.com/office/drawing/2010/main" val="0"/>
-              </a:ext>
-            </a:extLst>
-          </a:blip>
-          <a:srcRect/>
-          <a:stretch/>
-        </p:blipFill>
-        <p:spPr>
-          <a:xfrm>
-            <a:off x="448733" y="3081867"/>
-            <a:ext cx="11260667" cy="3310466"/>
-          </a:xfrm>
-          <a:prstGeom prst="rect">
-            <a:avLst/>
-          </a:prstGeom>
-        </p:spPr>
-      </p:pic>
+        <p:txBody>
+          <a:bodyPr/>
+          <a:lstStyle/>
+          <a:p>
+            <a:pPr>
+              <a:spcAft>
+                <a:spcPts val="600"/>
+              </a:spcAft>
+            </a:pPr>
+            <a:fld id="{71FEEC99-4875-42DD-AC2F-168DB28E55D8}" type="datetime1">
+              <a:rPr lang="ro-RO" smtClean="0"/>
+              <a:pPr>
+                <a:spcAft>
+                  <a:spcPts val="600"/>
+                </a:spcAft>
+              </a:pPr>
+              <a:t>01.04.2023</a:t>
+            </a:fld>
+            <a:endParaRPr lang="en-US"/>
+          </a:p>
+        </p:txBody>
+      </p:sp>
     </p:spTree>
     <p:extLst>
       <p:ext uri="{BB962C8B-B14F-4D97-AF65-F5344CB8AC3E}">
@@ -5295,168 +5117,75 @@
         </p:spPr>
         <p:txBody>
           <a:bodyPr>
-            <a:normAutofit/>
+            <a:normAutofit lnSpcReduction="10000"/>
           </a:bodyPr>
           <a:lstStyle/>
           <a:p>
-            <a:pPr marL="0" indent="0" algn="l">
+            <a:pPr marL="0" indent="0">
               <a:buNone/>
             </a:pPr>
             <a:r>
-              <a:rPr lang="ro-RO" b="0" i="0" dirty="0">
-                <a:solidFill>
-                  <a:srgbClr val="374151"/>
-                </a:solidFill>
-                <a:effectLst/>
-                <a:latin typeface="Söhne"/>
-              </a:rPr>
-              <a:t>Modelul Web of Trust</a:t>
-            </a:r>
-          </a:p>
-          <a:p>
-            <a:pPr algn="l"/>
-            <a:r>
-              <a:rPr lang="ro-RO" b="0" i="0" dirty="0">
-                <a:solidFill>
-                  <a:srgbClr val="374151"/>
-                </a:solidFill>
-                <a:effectLst/>
-                <a:latin typeface="Söhne"/>
-              </a:rPr>
-              <a:t>PGP utilizează un model numit Web of Trust (</a:t>
-            </a:r>
-            <a:r>
-              <a:rPr lang="ro-RO" b="0" i="0" dirty="0" err="1">
-                <a:solidFill>
-                  <a:srgbClr val="374151"/>
-                </a:solidFill>
-                <a:effectLst/>
-                <a:latin typeface="Söhne"/>
-              </a:rPr>
-              <a:t>WoT</a:t>
-            </a:r>
-            <a:r>
-              <a:rPr lang="ro-RO" b="0" i="0" dirty="0">
-                <a:solidFill>
-                  <a:srgbClr val="374151"/>
-                </a:solidFill>
-                <a:effectLst/>
-                <a:latin typeface="Söhne"/>
-              </a:rPr>
-              <a:t>) pentru a stabili relațiile de încredere între utilizatori. </a:t>
-            </a:r>
-            <a:r>
-              <a:rPr lang="ro-RO" b="0" i="0" dirty="0" err="1">
-                <a:solidFill>
-                  <a:srgbClr val="374151"/>
-                </a:solidFill>
-                <a:effectLst/>
-                <a:latin typeface="Söhne"/>
-              </a:rPr>
-              <a:t>WoT</a:t>
-            </a:r>
-            <a:r>
-              <a:rPr lang="ro-RO" b="0" i="0" dirty="0">
-                <a:solidFill>
-                  <a:srgbClr val="374151"/>
-                </a:solidFill>
-                <a:effectLst/>
-                <a:latin typeface="Söhne"/>
-              </a:rPr>
-              <a:t> nu se bazează pe autorități centrale de certificare, ci pe încrederea utilizatorilor între ei. Fiecare utilizator PGP poate semna și valida certificatele altor utilizatori, formând o rețea de încredere descentralizată. Prin </a:t>
-            </a:r>
-            <a:r>
-              <a:rPr lang="ro-RO" b="0" i="0" dirty="0" err="1">
-                <a:solidFill>
-                  <a:srgbClr val="374151"/>
-                </a:solidFill>
-                <a:effectLst/>
-                <a:latin typeface="Söhne"/>
-              </a:rPr>
-              <a:t>WoT</a:t>
-            </a:r>
-            <a:r>
-              <a:rPr lang="ro-RO" b="0" i="0" dirty="0">
-                <a:solidFill>
-                  <a:srgbClr val="374151"/>
-                </a:solidFill>
-                <a:effectLst/>
-                <a:latin typeface="Söhne"/>
-              </a:rPr>
-              <a:t>, utilizatorii pot evalua dacă un anumit certificat PGP este autentic și de încredere, în funcție de semnăturile altor utilizatori.</a:t>
-            </a:r>
-          </a:p>
-          <a:p>
-            <a:pPr marL="0" indent="0" algn="l">
+              <a:rPr lang="ro-RO" dirty="0"/>
+              <a:t>Conceptul de certificat PGP</a:t>
+            </a:r>
+          </a:p>
+          <a:p>
+            <a:r>
+              <a:rPr lang="ro-RO" dirty="0"/>
+              <a:t>Certificatele PGP, cunoscute și sub numele de chei publice PGP, sunt instrumente folosite pentru a asocia o identitate digitală cu o pereche de chei criptografice. Aceste certificate permit utilizatorilor să comunice în mod securizat și să verifice autenticitatea mesajelor. Un certificat PGP este compus dintr-o cheie publică, informații despre deținătorul acelei chei și meta date relevante, precum și eventualele semnături ale altor utilizatori care atestă încrederea în acel certificat.</a:t>
+            </a:r>
+          </a:p>
+          <a:p>
+            <a:pPr marL="0" indent="0">
               <a:buNone/>
             </a:pPr>
-            <a:endParaRPr lang="ro-RO" b="0" i="0" dirty="0">
-              <a:solidFill>
-                <a:srgbClr val="374151"/>
-              </a:solidFill>
-              <a:effectLst/>
-              <a:latin typeface="Söhne"/>
-            </a:endParaRPr>
-          </a:p>
-          <a:p>
-            <a:pPr marL="0" indent="0" algn="l">
+            <a:endParaRPr lang="ro-RO" dirty="0"/>
+          </a:p>
+          <a:p>
+            <a:pPr marL="0" indent="0">
               <a:buNone/>
             </a:pPr>
             <a:r>
-              <a:rPr lang="ro-RO" b="0" i="0" dirty="0">
-                <a:solidFill>
-                  <a:srgbClr val="374151"/>
-                </a:solidFill>
-                <a:effectLst/>
-                <a:latin typeface="Söhne"/>
-              </a:rPr>
-              <a:t>Verificarea și validarea certificatelor</a:t>
-            </a:r>
-          </a:p>
-          <a:p>
-            <a:pPr algn="l"/>
-            <a:r>
-              <a:rPr lang="ro-RO" b="0" i="0" dirty="0">
-                <a:solidFill>
-                  <a:srgbClr val="374151"/>
-                </a:solidFill>
-                <a:effectLst/>
-                <a:latin typeface="Söhne"/>
-              </a:rPr>
-              <a:t>Verificarea și validarea certificatelor în PGP sunt procese esențiale pentru a stabili relațiile de încredere. Verificarea implică verificarea dacă semnăturile digitale de pe un certificat sunt valide, iar validarea implică evaluarea încrederii în certificat pe baza semnăturilor altor utilizatori.</a:t>
-            </a:r>
-          </a:p>
-          <a:p>
-            <a:pPr algn="l"/>
-            <a:r>
-              <a:rPr lang="ro-RO" b="0" i="0" dirty="0">
-                <a:solidFill>
-                  <a:srgbClr val="374151"/>
-                </a:solidFill>
-                <a:effectLst/>
-                <a:latin typeface="Söhne"/>
-              </a:rPr>
-              <a:t>Utilizatorii PGP pot atribui niveluri de încredere pentru certificatele pe care le semnează, indicând cât de încrezători sunt în autenticitatea acestora. Aceste niveluri de încredere sunt folosite pentru a determina dacă un certificat este valid în cadrul </a:t>
-            </a:r>
-            <a:r>
-              <a:rPr lang="ro-RO" b="0" i="0" dirty="0" err="1">
-                <a:solidFill>
-                  <a:srgbClr val="374151"/>
-                </a:solidFill>
-                <a:effectLst/>
-                <a:latin typeface="Söhne"/>
-              </a:rPr>
-              <a:t>WoT</a:t>
-            </a:r>
-            <a:r>
-              <a:rPr lang="ro-RO" b="0" i="0" dirty="0">
-                <a:solidFill>
-                  <a:srgbClr val="374151"/>
-                </a:solidFill>
-                <a:effectLst/>
-                <a:latin typeface="Söhne"/>
-              </a:rPr>
-              <a:t>.</a:t>
+              <a:rPr lang="ro-RO" dirty="0"/>
+              <a:t>Un certificat PGP este alcătuit din următoarele componente:</a:t>
+            </a:r>
+          </a:p>
+          <a:p>
+            <a:r>
+              <a:rPr lang="ro-RO" dirty="0"/>
+              <a:t>Cheia publică: O cheie criptografică asimetrică utilizată pentru criptarea și decriptarea mesajelor și pentru verificarea semnăturilor digitale.</a:t>
+            </a:r>
+          </a:p>
+          <a:p>
+            <a:r>
+              <a:rPr lang="ro-RO" dirty="0"/>
+              <a:t>Identitatea deținătorului: Numele, adresa de e-mail sau alte informații legate de identitatea deținătorului cheii.</a:t>
+            </a:r>
+          </a:p>
+          <a:p>
+            <a:r>
+              <a:rPr lang="ro-RO" dirty="0"/>
+              <a:t>Algoritmul de criptare: Algoritmul de criptare asimetrică utilizat pentru generarea perechii de chei (de exemplu, RSA, </a:t>
+            </a:r>
+            <a:r>
+              <a:rPr lang="ro-RO" dirty="0" err="1"/>
+              <a:t>ElGamal</a:t>
+            </a:r>
+            <a:r>
+              <a:rPr lang="ro-RO" dirty="0"/>
+              <a:t>, ECC).</a:t>
+            </a:r>
+          </a:p>
+          <a:p>
+            <a:r>
+              <a:rPr lang="ro-RO" dirty="0"/>
+              <a:t>Perioada de valabilitate: Intervalul de timp în care cheia este considerată validă.</a:t>
+            </a:r>
+          </a:p>
+          <a:p>
+            <a:r>
+              <a:rPr lang="ro-RO" dirty="0"/>
+              <a:t>Semnături ale altor utilizatori: Semnături digitale ale altor utilizatori care atestă încrederea în certificatul respectiv.</a:t>
             </a:r>
           </a:p>
         </p:txBody>
@@ -5464,7 +5193,7 @@
     </p:spTree>
     <p:extLst>
       <p:ext uri="{BB962C8B-B14F-4D97-AF65-F5344CB8AC3E}">
-        <p14:creationId xmlns:p14="http://schemas.microsoft.com/office/powerpoint/2010/main" val="982079383"/>
+        <p14:creationId xmlns:p14="http://schemas.microsoft.com/office/powerpoint/2010/main" val="1597490219"/>
       </p:ext>
     </p:extLst>
   </p:cSld>
@@ -5519,105 +5248,40 @@
           </a:bodyPr>
           <a:lstStyle/>
           <a:p>
-            <a:pPr marL="0" indent="0" algn="l">
+            <a:pPr marL="0" indent="0">
               <a:buNone/>
             </a:pPr>
             <a:r>
-              <a:rPr lang="it-IT" b="0" i="0" dirty="0">
-                <a:solidFill>
-                  <a:srgbClr val="374151"/>
-                </a:solidFill>
-                <a:effectLst/>
-                <a:latin typeface="Söhne"/>
-              </a:rPr>
-              <a:t>Semnarea certificatelor altor utilizatori</a:t>
-            </a:r>
-          </a:p>
-          <a:p>
-            <a:pPr algn="l"/>
-            <a:r>
-              <a:rPr lang="it-IT" b="0" i="0" dirty="0">
-                <a:solidFill>
-                  <a:srgbClr val="374151"/>
-                </a:solidFill>
-                <a:effectLst/>
-                <a:latin typeface="Söhne"/>
-              </a:rPr>
-              <a:t>Semnarea certificatelor altor utilizatori este un</a:t>
-            </a:r>
-            <a:r>
-              <a:rPr lang="ro-RO" b="0" i="0" dirty="0">
-                <a:solidFill>
-                  <a:srgbClr val="374151"/>
-                </a:solidFill>
-                <a:effectLst/>
-                <a:latin typeface="Söhne"/>
-              </a:rPr>
-              <a:t> proces important în stabilirea relațiilor de încredere în cadrul Web of Trust. Atunci când un utilizator semnează un certificat PGP al altui utilizator, acesta indică faptul că el înțelege și confirmă identitatea reală a deținătorului certificatului și că certificatul este autentic. Prin semnarea certificatelor, utilizatorii contribuie la extinderea rețelei de încredere și la consolidarea autenticității certificatelor în cadrul </a:t>
-            </a:r>
-            <a:r>
-              <a:rPr lang="ro-RO" b="0" i="0" dirty="0" err="1">
-                <a:solidFill>
-                  <a:srgbClr val="374151"/>
-                </a:solidFill>
-                <a:effectLst/>
-                <a:latin typeface="Söhne"/>
-              </a:rPr>
-              <a:t>WoT</a:t>
-            </a:r>
-            <a:r>
-              <a:rPr lang="ro-RO" b="0" i="0" dirty="0">
-                <a:solidFill>
-                  <a:srgbClr val="374151"/>
-                </a:solidFill>
-                <a:effectLst/>
-                <a:latin typeface="Söhne"/>
-              </a:rPr>
-              <a:t>.</a:t>
-            </a:r>
-          </a:p>
-          <a:p>
-            <a:pPr algn="l"/>
-            <a:r>
-              <a:rPr lang="ro-RO" b="0" i="0" dirty="0">
-                <a:solidFill>
-                  <a:srgbClr val="374151"/>
-                </a:solidFill>
-                <a:effectLst/>
-                <a:latin typeface="Söhne"/>
-              </a:rPr>
-              <a:t>Înainte de a semna un certificat, utilizatorii ar trebui să verifice identitatea reală a persoanei care deține certificatul, de obicei prin verificarea unui document de identitate. Odată ce identitatea a fost confirmată, utilizatorul poate semna certificatul, atribuind un nivel de încredere adecvat.</a:t>
-            </a:r>
-          </a:p>
-          <a:p>
-            <a:pPr algn="l"/>
-            <a:r>
-              <a:rPr lang="ro-RO" b="0" i="0" dirty="0">
-                <a:solidFill>
-                  <a:srgbClr val="374151"/>
-                </a:solidFill>
-                <a:effectLst/>
-                <a:latin typeface="Söhne"/>
-              </a:rPr>
-              <a:t>Pentru a menține integritatea și securitatea rețelei, este esențial ca utilizatorii să fie responsabili în ceea ce privește semnarea certificatelor și să nu semneze certificate ale persoanelor necunoscute sau neautentificate.</a:t>
-            </a:r>
-          </a:p>
-          <a:p>
-            <a:pPr algn="l"/>
-            <a:endParaRPr lang="it-IT" b="0" i="0" dirty="0">
-              <a:solidFill>
-                <a:srgbClr val="374151"/>
-              </a:solidFill>
-              <a:effectLst/>
-              <a:latin typeface="Söhne"/>
-            </a:endParaRPr>
+              <a:rPr lang="ro-RO" dirty="0"/>
+              <a:t>Generarea și gestionarea certificatelor PGP</a:t>
+            </a:r>
+          </a:p>
+          <a:p>
+            <a:r>
+              <a:rPr lang="ro-RO" dirty="0"/>
+              <a:t>Generarea unui certificat PGP implică crearea unei perechi de chei, publică și privată, și asocierea identității deținătorului cu cheia publică. Utilizatorii pot genera certificate PGP folosind software-ul PGP sau alte aplicații compatibile, precum </a:t>
+            </a:r>
+            <a:r>
+              <a:rPr lang="ro-RO" dirty="0" err="1"/>
+              <a:t>GnuPG</a:t>
+            </a:r>
+            <a:r>
+              <a:rPr lang="ro-RO" dirty="0"/>
+              <a:t>. Odată ce un certificat a fost generat, deținătorul trebuie să îl distribuie celorlalți utilizatori pentru a permite comunicarea securizată și verificarea semnăturilor digitale.</a:t>
+            </a:r>
+          </a:p>
+          <a:p>
+            <a:r>
+              <a:rPr lang="ro-RO" dirty="0"/>
+              <a:t>Gestionarea certificatelor PGP include importarea, exportarea, actualizarea și revocarea certificatelor. Utilizatorii trebuie să mențină un inel de chei, care conține toate certificatele PGP de încredere, pentru a putea comunica în mod securizat cu alte persoane.</a:t>
+            </a:r>
           </a:p>
         </p:txBody>
       </p:sp>
     </p:spTree>
     <p:extLst>
       <p:ext uri="{BB962C8B-B14F-4D97-AF65-F5344CB8AC3E}">
-        <p14:creationId xmlns:p14="http://schemas.microsoft.com/office/powerpoint/2010/main" val="2294717399"/>
+        <p14:creationId xmlns:p14="http://schemas.microsoft.com/office/powerpoint/2010/main" val="2940827832"/>
       </p:ext>
     </p:extLst>
   </p:cSld>
@@ -5646,10 +5310,10 @@
       </p:grpSpPr>
       <p:sp>
         <p:nvSpPr>
-          <p:cNvPr id="4" name="Substituent conținut 3">
+          <p:cNvPr id="5" name="Substituent conținut 4">
             <a:extLst>
               <a:ext uri="{FF2B5EF4-FFF2-40B4-BE49-F238E27FC236}">
-                <a16:creationId xmlns:a16="http://schemas.microsoft.com/office/drawing/2014/main" id="{996B05E9-27F7-2D4F-E2EA-62D141905569}"/>
+                <a16:creationId xmlns:a16="http://schemas.microsoft.com/office/drawing/2014/main" id="{5984CC03-EC2C-92CE-6AF7-B9C31EA16C6A}"/>
               </a:ext>
             </a:extLst>
           </p:cNvPr>
@@ -5676,29 +5340,22 @@
               <a:buNone/>
             </a:pPr>
             <a:r>
-              <a:rPr lang="ro-RO" sz="7200" b="0" i="0" dirty="0">
+              <a:rPr lang="ro-RO" sz="3600" b="0" i="0" dirty="0">
                 <a:solidFill>
                   <a:srgbClr val="374151"/>
                 </a:solidFill>
                 <a:effectLst/>
                 <a:latin typeface="Söhne"/>
               </a:rPr>
-              <a:t>DEMO</a:t>
-            </a:r>
-            <a:endParaRPr lang="it-IT" sz="7200" b="0" i="0" dirty="0">
-              <a:solidFill>
-                <a:srgbClr val="374151"/>
-              </a:solidFill>
-              <a:effectLst/>
-              <a:latin typeface="Söhne"/>
-            </a:endParaRPr>
+              <a:t>Stabilirea relațiilor de încredere</a:t>
+            </a:r>
           </a:p>
         </p:txBody>
       </p:sp>
     </p:spTree>
     <p:extLst>
       <p:ext uri="{BB962C8B-B14F-4D97-AF65-F5344CB8AC3E}">
-        <p14:creationId xmlns:p14="http://schemas.microsoft.com/office/powerpoint/2010/main" val="2664084421"/>
+        <p14:creationId xmlns:p14="http://schemas.microsoft.com/office/powerpoint/2010/main" val="3456456156"/>
       </p:ext>
     </p:extLst>
   </p:cSld>
@@ -5725,6 +5382,531 @@
           <a:chExt cx="0" cy="0"/>
         </a:xfrm>
       </p:grpSpPr>
+      <p:pic>
+        <p:nvPicPr>
+          <p:cNvPr id="3078" name="Picture 6" descr="Web of trust - Wikipedia">
+            <a:extLst>
+              <a:ext uri="{FF2B5EF4-FFF2-40B4-BE49-F238E27FC236}">
+                <a16:creationId xmlns:a16="http://schemas.microsoft.com/office/drawing/2014/main" id="{D56B3FC9-56EB-C40F-BF15-CA3CDBB7C7CF}"/>
+              </a:ext>
+            </a:extLst>
+          </p:cNvPr>
+          <p:cNvPicPr>
+            <a:picLocks noGrp="1" noChangeAspect="1" noChangeArrowheads="1"/>
+          </p:cNvPicPr>
+          <p:nvPr>
+            <p:ph idx="1"/>
+          </p:nvPr>
+        </p:nvPicPr>
+        <p:blipFill>
+          <a:blip r:embed="rId2">
+            <a:extLst>
+              <a:ext uri="{28A0092B-C50C-407E-A947-70E740481C1C}">
+                <a14:useLocalDpi xmlns:a14="http://schemas.microsoft.com/office/drawing/2010/main" val="0"/>
+              </a:ext>
+            </a:extLst>
+          </a:blip>
+          <a:stretch>
+            <a:fillRect/>
+          </a:stretch>
+        </p:blipFill>
+        <p:spPr bwMode="auto">
+          <a:xfrm>
+            <a:off x="120650" y="717550"/>
+            <a:ext cx="11950700" cy="5975350"/>
+          </a:xfrm>
+          <a:prstGeom prst="rect">
+            <a:avLst/>
+          </a:prstGeom>
+          <a:solidFill>
+            <a:srgbClr val="FFFFFF"/>
+          </a:solidFill>
+        </p:spPr>
+      </p:pic>
+    </p:spTree>
+    <p:extLst>
+      <p:ext uri="{BB962C8B-B14F-4D97-AF65-F5344CB8AC3E}">
+        <p14:creationId xmlns:p14="http://schemas.microsoft.com/office/powerpoint/2010/main" val="2512316294"/>
+      </p:ext>
+    </p:extLst>
+  </p:cSld>
+  <p:clrMapOvr>
+    <a:masterClrMapping/>
+  </p:clrMapOvr>
+</p:sld>
+</file>
+
+<file path=ppt/slides/slide14.xml><?xml version="1.0" encoding="utf-8"?>
+<p:sld xmlns:a="http://schemas.openxmlformats.org/drawingml/2006/main" xmlns:r="http://schemas.openxmlformats.org/officeDocument/2006/relationships" xmlns:p="http://schemas.openxmlformats.org/presentationml/2006/main">
+  <p:cSld>
+    <p:spTree>
+      <p:nvGrpSpPr>
+        <p:cNvPr id="1" name=""/>
+        <p:cNvGrpSpPr/>
+        <p:nvPr/>
+      </p:nvGrpSpPr>
+      <p:grpSpPr>
+        <a:xfrm>
+          <a:off x="0" y="0"/>
+          <a:ext cx="0" cy="0"/>
+          <a:chOff x="0" y="0"/>
+          <a:chExt cx="0" cy="0"/>
+        </a:xfrm>
+      </p:grpSpPr>
+      <p:sp>
+        <p:nvSpPr>
+          <p:cNvPr id="4" name="Substituent conținut 3">
+            <a:extLst>
+              <a:ext uri="{FF2B5EF4-FFF2-40B4-BE49-F238E27FC236}">
+                <a16:creationId xmlns:a16="http://schemas.microsoft.com/office/drawing/2014/main" id="{996B05E9-27F7-2D4F-E2EA-62D141905569}"/>
+              </a:ext>
+            </a:extLst>
+          </p:cNvPr>
+          <p:cNvSpPr>
+            <a:spLocks noGrp="1"/>
+          </p:cNvSpPr>
+          <p:nvPr>
+            <p:ph idx="1"/>
+          </p:nvPr>
+        </p:nvSpPr>
+        <p:spPr>
+          <a:xfrm>
+            <a:off x="581192" y="702156"/>
+            <a:ext cx="11029615" cy="5273194"/>
+          </a:xfrm>
+        </p:spPr>
+        <p:txBody>
+          <a:bodyPr>
+            <a:normAutofit/>
+          </a:bodyPr>
+          <a:lstStyle/>
+          <a:p>
+            <a:pPr marL="0" indent="0" algn="l">
+              <a:buNone/>
+            </a:pPr>
+            <a:r>
+              <a:rPr lang="ro-RO" b="0" i="0" dirty="0">
+                <a:solidFill>
+                  <a:srgbClr val="374151"/>
+                </a:solidFill>
+                <a:effectLst/>
+                <a:latin typeface="Söhne"/>
+              </a:rPr>
+              <a:t>Modelul Web of Trust</a:t>
+            </a:r>
+          </a:p>
+          <a:p>
+            <a:pPr algn="l"/>
+            <a:r>
+              <a:rPr lang="ro-RO" b="0" i="0" dirty="0">
+                <a:solidFill>
+                  <a:srgbClr val="374151"/>
+                </a:solidFill>
+                <a:effectLst/>
+                <a:latin typeface="Söhne"/>
+              </a:rPr>
+              <a:t>PGP utilizează un model numit Web of Trust (</a:t>
+            </a:r>
+            <a:r>
+              <a:rPr lang="ro-RO" b="0" i="0" dirty="0" err="1">
+                <a:solidFill>
+                  <a:srgbClr val="374151"/>
+                </a:solidFill>
+                <a:effectLst/>
+                <a:latin typeface="Söhne"/>
+              </a:rPr>
+              <a:t>WoT</a:t>
+            </a:r>
+            <a:r>
+              <a:rPr lang="ro-RO" b="0" i="0" dirty="0">
+                <a:solidFill>
+                  <a:srgbClr val="374151"/>
+                </a:solidFill>
+                <a:effectLst/>
+                <a:latin typeface="Söhne"/>
+              </a:rPr>
+              <a:t>) pentru a stabili relațiile de încredere între utilizatori. </a:t>
+            </a:r>
+            <a:r>
+              <a:rPr lang="ro-RO" b="0" i="0" dirty="0" err="1">
+                <a:solidFill>
+                  <a:srgbClr val="374151"/>
+                </a:solidFill>
+                <a:effectLst/>
+                <a:latin typeface="Söhne"/>
+              </a:rPr>
+              <a:t>WoT</a:t>
+            </a:r>
+            <a:r>
+              <a:rPr lang="ro-RO" b="0" i="0" dirty="0">
+                <a:solidFill>
+                  <a:srgbClr val="374151"/>
+                </a:solidFill>
+                <a:effectLst/>
+                <a:latin typeface="Söhne"/>
+              </a:rPr>
+              <a:t> nu se bazează pe autorități centrale de certificare, ci pe încrederea utilizatorilor între ei. Fiecare utilizator PGP poate semna și valida certificatele altor utilizatori, formând o rețea de încredere descentralizată. Prin </a:t>
+            </a:r>
+            <a:r>
+              <a:rPr lang="ro-RO" b="0" i="0" dirty="0" err="1">
+                <a:solidFill>
+                  <a:srgbClr val="374151"/>
+                </a:solidFill>
+                <a:effectLst/>
+                <a:latin typeface="Söhne"/>
+              </a:rPr>
+              <a:t>WoT</a:t>
+            </a:r>
+            <a:r>
+              <a:rPr lang="ro-RO" b="0" i="0" dirty="0">
+                <a:solidFill>
+                  <a:srgbClr val="374151"/>
+                </a:solidFill>
+                <a:effectLst/>
+                <a:latin typeface="Söhne"/>
+              </a:rPr>
+              <a:t>, utilizatorii pot evalua dacă un anumit certificat PGP este autentic și de încredere, în funcție de semnăturile altor utilizatori.</a:t>
+            </a:r>
+          </a:p>
+          <a:p>
+            <a:pPr marL="0" indent="0" algn="l">
+              <a:buNone/>
+            </a:pPr>
+            <a:endParaRPr lang="ro-RO" b="0" i="0" dirty="0">
+              <a:solidFill>
+                <a:srgbClr val="374151"/>
+              </a:solidFill>
+              <a:effectLst/>
+              <a:latin typeface="Söhne"/>
+            </a:endParaRPr>
+          </a:p>
+          <a:p>
+            <a:pPr marL="0" indent="0" algn="l">
+              <a:buNone/>
+            </a:pPr>
+            <a:r>
+              <a:rPr lang="ro-RO" b="0" i="0" dirty="0">
+                <a:solidFill>
+                  <a:srgbClr val="374151"/>
+                </a:solidFill>
+                <a:effectLst/>
+                <a:latin typeface="Söhne"/>
+              </a:rPr>
+              <a:t>Verificarea și validarea certificatelor</a:t>
+            </a:r>
+          </a:p>
+          <a:p>
+            <a:pPr algn="l"/>
+            <a:r>
+              <a:rPr lang="ro-RO" b="0" i="0" dirty="0">
+                <a:solidFill>
+                  <a:srgbClr val="374151"/>
+                </a:solidFill>
+                <a:effectLst/>
+                <a:latin typeface="Söhne"/>
+              </a:rPr>
+              <a:t>Verificarea și validarea certificatelor în PGP sunt procese esențiale pentru a stabili relațiile de încredere. Verificarea implică verificarea dacă semnăturile digitale de pe un certificat sunt valide, iar validarea implică evaluarea încrederii în certificat pe baza semnăturilor altor utilizatori.</a:t>
+            </a:r>
+          </a:p>
+          <a:p>
+            <a:pPr algn="l"/>
+            <a:r>
+              <a:rPr lang="ro-RO" b="0" i="0" dirty="0">
+                <a:solidFill>
+                  <a:srgbClr val="374151"/>
+                </a:solidFill>
+                <a:effectLst/>
+                <a:latin typeface="Söhne"/>
+              </a:rPr>
+              <a:t>Utilizatorii PGP pot atribui niveluri de încredere pentru certificatele pe care le semnează, indicând cât de încrezători sunt în autenticitatea acestora. Aceste niveluri de încredere sunt folosite pentru a determina dacă un certificat este valid în cadrul </a:t>
+            </a:r>
+            <a:r>
+              <a:rPr lang="ro-RO" b="0" i="0" dirty="0" err="1">
+                <a:solidFill>
+                  <a:srgbClr val="374151"/>
+                </a:solidFill>
+                <a:effectLst/>
+                <a:latin typeface="Söhne"/>
+              </a:rPr>
+              <a:t>WoT</a:t>
+            </a:r>
+            <a:r>
+              <a:rPr lang="ro-RO" b="0" i="0" dirty="0">
+                <a:solidFill>
+                  <a:srgbClr val="374151"/>
+                </a:solidFill>
+                <a:effectLst/>
+                <a:latin typeface="Söhne"/>
+              </a:rPr>
+              <a:t>.</a:t>
+            </a:r>
+          </a:p>
+        </p:txBody>
+      </p:sp>
+    </p:spTree>
+    <p:extLst>
+      <p:ext uri="{BB962C8B-B14F-4D97-AF65-F5344CB8AC3E}">
+        <p14:creationId xmlns:p14="http://schemas.microsoft.com/office/powerpoint/2010/main" val="982079383"/>
+      </p:ext>
+    </p:extLst>
+  </p:cSld>
+  <p:clrMapOvr>
+    <a:masterClrMapping/>
+  </p:clrMapOvr>
+</p:sld>
+</file>
+
+<file path=ppt/slides/slide15.xml><?xml version="1.0" encoding="utf-8"?>
+<p:sld xmlns:a="http://schemas.openxmlformats.org/drawingml/2006/main" xmlns:r="http://schemas.openxmlformats.org/officeDocument/2006/relationships" xmlns:p="http://schemas.openxmlformats.org/presentationml/2006/main">
+  <p:cSld>
+    <p:spTree>
+      <p:nvGrpSpPr>
+        <p:cNvPr id="1" name=""/>
+        <p:cNvGrpSpPr/>
+        <p:nvPr/>
+      </p:nvGrpSpPr>
+      <p:grpSpPr>
+        <a:xfrm>
+          <a:off x="0" y="0"/>
+          <a:ext cx="0" cy="0"/>
+          <a:chOff x="0" y="0"/>
+          <a:chExt cx="0" cy="0"/>
+        </a:xfrm>
+      </p:grpSpPr>
+      <p:sp>
+        <p:nvSpPr>
+          <p:cNvPr id="4" name="Substituent conținut 3">
+            <a:extLst>
+              <a:ext uri="{FF2B5EF4-FFF2-40B4-BE49-F238E27FC236}">
+                <a16:creationId xmlns:a16="http://schemas.microsoft.com/office/drawing/2014/main" id="{996B05E9-27F7-2D4F-E2EA-62D141905569}"/>
+              </a:ext>
+            </a:extLst>
+          </p:cNvPr>
+          <p:cNvSpPr>
+            <a:spLocks noGrp="1"/>
+          </p:cNvSpPr>
+          <p:nvPr>
+            <p:ph idx="1"/>
+          </p:nvPr>
+        </p:nvSpPr>
+        <p:spPr>
+          <a:xfrm>
+            <a:off x="581192" y="702156"/>
+            <a:ext cx="11029615" cy="5273194"/>
+          </a:xfrm>
+        </p:spPr>
+        <p:txBody>
+          <a:bodyPr>
+            <a:normAutofit/>
+          </a:bodyPr>
+          <a:lstStyle/>
+          <a:p>
+            <a:pPr marL="0" indent="0" algn="l">
+              <a:buNone/>
+            </a:pPr>
+            <a:r>
+              <a:rPr lang="it-IT" b="0" i="0" dirty="0">
+                <a:solidFill>
+                  <a:srgbClr val="374151"/>
+                </a:solidFill>
+                <a:effectLst/>
+                <a:latin typeface="Söhne"/>
+              </a:rPr>
+              <a:t>Semnarea certificatelor altor utilizatori</a:t>
+            </a:r>
+          </a:p>
+          <a:p>
+            <a:pPr algn="l"/>
+            <a:r>
+              <a:rPr lang="it-IT" b="0" i="0" dirty="0">
+                <a:solidFill>
+                  <a:srgbClr val="374151"/>
+                </a:solidFill>
+                <a:effectLst/>
+                <a:latin typeface="Söhne"/>
+              </a:rPr>
+              <a:t>Semnarea certificatelor altor utilizatori este un</a:t>
+            </a:r>
+            <a:r>
+              <a:rPr lang="ro-RO" b="0" i="0" dirty="0">
+                <a:solidFill>
+                  <a:srgbClr val="374151"/>
+                </a:solidFill>
+                <a:effectLst/>
+                <a:latin typeface="Söhne"/>
+              </a:rPr>
+              <a:t> proces important în stabilirea relațiilor de încredere în cadrul Web of Trust. Atunci când un utilizator semnează un certificat PGP al altui utilizator, acesta indică faptul că el înțelege și confirmă identitatea reală a deținătorului certificatului și că certificatul este autentic. Prin semnarea certificatelor, utilizatorii contribuie la extinderea rețelei de încredere și la consolidarea autenticității certificatelor în cadrul </a:t>
+            </a:r>
+            <a:r>
+              <a:rPr lang="ro-RO" b="0" i="0" dirty="0" err="1">
+                <a:solidFill>
+                  <a:srgbClr val="374151"/>
+                </a:solidFill>
+                <a:effectLst/>
+                <a:latin typeface="Söhne"/>
+              </a:rPr>
+              <a:t>WoT</a:t>
+            </a:r>
+            <a:r>
+              <a:rPr lang="ro-RO" b="0" i="0" dirty="0">
+                <a:solidFill>
+                  <a:srgbClr val="374151"/>
+                </a:solidFill>
+                <a:effectLst/>
+                <a:latin typeface="Söhne"/>
+              </a:rPr>
+              <a:t>.</a:t>
+            </a:r>
+          </a:p>
+          <a:p>
+            <a:pPr algn="l"/>
+            <a:r>
+              <a:rPr lang="ro-RO" b="0" i="0" dirty="0">
+                <a:solidFill>
+                  <a:srgbClr val="374151"/>
+                </a:solidFill>
+                <a:effectLst/>
+                <a:latin typeface="Söhne"/>
+              </a:rPr>
+              <a:t>Înainte de a semna un certificat, utilizatorii ar trebui să verifice identitatea reală a persoanei care deține certificatul, de obicei prin verificarea unui document de identitate. Odată ce identitatea a fost confirmată, utilizatorul poate semna certificatul, atribuind un nivel de încredere adecvat.</a:t>
+            </a:r>
+          </a:p>
+          <a:p>
+            <a:pPr algn="l"/>
+            <a:r>
+              <a:rPr lang="ro-RO" b="0" i="0" dirty="0">
+                <a:solidFill>
+                  <a:srgbClr val="374151"/>
+                </a:solidFill>
+                <a:effectLst/>
+                <a:latin typeface="Söhne"/>
+              </a:rPr>
+              <a:t>Pentru a menține integritatea și securitatea rețelei, este esențial ca utilizatorii să fie responsabili în ceea ce privește semnarea certificatelor și să nu semneze certificate ale persoanelor necunoscute sau neautentificate.</a:t>
+            </a:r>
+          </a:p>
+          <a:p>
+            <a:pPr algn="l"/>
+            <a:endParaRPr lang="it-IT" b="0" i="0" dirty="0">
+              <a:solidFill>
+                <a:srgbClr val="374151"/>
+              </a:solidFill>
+              <a:effectLst/>
+              <a:latin typeface="Söhne"/>
+            </a:endParaRPr>
+          </a:p>
+        </p:txBody>
+      </p:sp>
+    </p:spTree>
+    <p:extLst>
+      <p:ext uri="{BB962C8B-B14F-4D97-AF65-F5344CB8AC3E}">
+        <p14:creationId xmlns:p14="http://schemas.microsoft.com/office/powerpoint/2010/main" val="2294717399"/>
+      </p:ext>
+    </p:extLst>
+  </p:cSld>
+  <p:clrMapOvr>
+    <a:masterClrMapping/>
+  </p:clrMapOvr>
+</p:sld>
+</file>
+
+<file path=ppt/slides/slide16.xml><?xml version="1.0" encoding="utf-8"?>
+<p:sld xmlns:a="http://schemas.openxmlformats.org/drawingml/2006/main" xmlns:r="http://schemas.openxmlformats.org/officeDocument/2006/relationships" xmlns:p="http://schemas.openxmlformats.org/presentationml/2006/main">
+  <p:cSld>
+    <p:spTree>
+      <p:nvGrpSpPr>
+        <p:cNvPr id="1" name=""/>
+        <p:cNvGrpSpPr/>
+        <p:nvPr/>
+      </p:nvGrpSpPr>
+      <p:grpSpPr>
+        <a:xfrm>
+          <a:off x="0" y="0"/>
+          <a:ext cx="0" cy="0"/>
+          <a:chOff x="0" y="0"/>
+          <a:chExt cx="0" cy="0"/>
+        </a:xfrm>
+      </p:grpSpPr>
+      <p:sp>
+        <p:nvSpPr>
+          <p:cNvPr id="4" name="Substituent conținut 3">
+            <a:extLst>
+              <a:ext uri="{FF2B5EF4-FFF2-40B4-BE49-F238E27FC236}">
+                <a16:creationId xmlns:a16="http://schemas.microsoft.com/office/drawing/2014/main" id="{996B05E9-27F7-2D4F-E2EA-62D141905569}"/>
+              </a:ext>
+            </a:extLst>
+          </p:cNvPr>
+          <p:cNvSpPr>
+            <a:spLocks noGrp="1"/>
+          </p:cNvSpPr>
+          <p:nvPr>
+            <p:ph idx="1"/>
+          </p:nvPr>
+        </p:nvSpPr>
+        <p:spPr>
+          <a:xfrm>
+            <a:off x="581192" y="702156"/>
+            <a:ext cx="11029615" cy="5273194"/>
+          </a:xfrm>
+        </p:spPr>
+        <p:txBody>
+          <a:bodyPr>
+            <a:normAutofit/>
+          </a:bodyPr>
+          <a:lstStyle/>
+          <a:p>
+            <a:pPr marL="0" indent="0" algn="ctr">
+              <a:buNone/>
+            </a:pPr>
+            <a:r>
+              <a:rPr lang="ro-RO" sz="7200" b="0" i="0" dirty="0">
+                <a:solidFill>
+                  <a:srgbClr val="374151"/>
+                </a:solidFill>
+                <a:effectLst/>
+                <a:latin typeface="Söhne"/>
+              </a:rPr>
+              <a:t>DEMO</a:t>
+            </a:r>
+            <a:endParaRPr lang="it-IT" sz="7200" b="0" i="0" dirty="0">
+              <a:solidFill>
+                <a:srgbClr val="374151"/>
+              </a:solidFill>
+              <a:effectLst/>
+              <a:latin typeface="Söhne"/>
+            </a:endParaRPr>
+          </a:p>
+        </p:txBody>
+      </p:sp>
+    </p:spTree>
+    <p:extLst>
+      <p:ext uri="{BB962C8B-B14F-4D97-AF65-F5344CB8AC3E}">
+        <p14:creationId xmlns:p14="http://schemas.microsoft.com/office/powerpoint/2010/main" val="2664084421"/>
+      </p:ext>
+    </p:extLst>
+  </p:cSld>
+  <p:clrMapOvr>
+    <a:masterClrMapping/>
+  </p:clrMapOvr>
+</p:sld>
+</file>
+
+<file path=ppt/slides/slide17.xml><?xml version="1.0" encoding="utf-8"?>
+<p:sld xmlns:a="http://schemas.openxmlformats.org/drawingml/2006/main" xmlns:r="http://schemas.openxmlformats.org/officeDocument/2006/relationships" xmlns:p="http://schemas.openxmlformats.org/presentationml/2006/main">
+  <p:cSld>
+    <p:spTree>
+      <p:nvGrpSpPr>
+        <p:cNvPr id="1" name=""/>
+        <p:cNvGrpSpPr/>
+        <p:nvPr/>
+      </p:nvGrpSpPr>
+      <p:grpSpPr>
+        <a:xfrm>
+          <a:off x="0" y="0"/>
+          <a:ext cx="0" cy="0"/>
+          <a:chOff x="0" y="0"/>
+          <a:chExt cx="0" cy="0"/>
+        </a:xfrm>
+      </p:grpSpPr>
       <p:sp>
         <p:nvSpPr>
           <p:cNvPr id="2" name="Titlu 1">
@@ -5808,7 +5990,7 @@
 </p:sld>
 </file>
 
-<file path=ppt/slides/slide14.xml><?xml version="1.0" encoding="utf-8"?>
+<file path=ppt/slides/slide18.xml><?xml version="1.0" encoding="utf-8"?>
 <p:sld xmlns:a="http://schemas.openxmlformats.org/drawingml/2006/main" xmlns:r="http://schemas.openxmlformats.org/officeDocument/2006/relationships" xmlns:p="http://schemas.openxmlformats.org/presentationml/2006/main">
   <p:cSld>
     <p:spTree>
@@ -6266,72 +6448,103 @@
           <a:chExt cx="0" cy="0"/>
         </a:xfrm>
       </p:grpSpPr>
-      <p:sp>
-        <p:nvSpPr>
-          <p:cNvPr id="4" name="Substituent conținut 3">
+      <p:pic>
+        <p:nvPicPr>
+          <p:cNvPr id="5122" name="Picture 2" descr="What is PGP encryption and how does it work? | Proton">
             <a:extLst>
               <a:ext uri="{FF2B5EF4-FFF2-40B4-BE49-F238E27FC236}">
-                <a16:creationId xmlns:a16="http://schemas.microsoft.com/office/drawing/2014/main" id="{996B05E9-27F7-2D4F-E2EA-62D141905569}"/>
+                <a16:creationId xmlns:a16="http://schemas.microsoft.com/office/drawing/2014/main" id="{4BD58D54-E4AA-8F5A-1A3B-9A139E276F36}"/>
               </a:ext>
             </a:extLst>
           </p:cNvPr>
-          <p:cNvSpPr>
-            <a:spLocks noGrp="1"/>
-          </p:cNvSpPr>
+          <p:cNvPicPr>
+            <a:picLocks noGrp="1" noChangeAspect="1" noChangeArrowheads="1"/>
+          </p:cNvPicPr>
           <p:nvPr>
             <p:ph idx="1"/>
+          </p:nvPr>
+        </p:nvPicPr>
+        <p:blipFill rotWithShape="1">
+          <a:blip r:embed="rId2">
+            <a:extLst>
+              <a:ext uri="{28A0092B-C50C-407E-A947-70E740481C1C}">
+                <a14:useLocalDpi xmlns:a14="http://schemas.microsoft.com/office/drawing/2010/main" val="0"/>
+              </a:ext>
+            </a:extLst>
+          </a:blip>
+          <a:stretch/>
+        </p:blipFill>
+        <p:spPr bwMode="auto">
+          <a:xfrm>
+            <a:off x="2123580" y="1171238"/>
+            <a:ext cx="7944839" cy="4515524"/>
+          </a:xfrm>
+          <a:prstGeom prst="rect">
+            <a:avLst/>
+          </a:prstGeom>
+          <a:solidFill>
+            <a:srgbClr val="FFFFFF"/>
+          </a:solidFill>
+          <a:ln>
+            <a:noFill/>
+          </a:ln>
+          <a:effectLst>
+            <a:outerShdw blurRad="190500" algn="tl" rotWithShape="0">
+              <a:srgbClr val="000000">
+                <a:alpha val="70000"/>
+              </a:srgbClr>
+            </a:outerShdw>
+          </a:effectLst>
+        </p:spPr>
+      </p:pic>
+      <p:sp>
+        <p:nvSpPr>
+          <p:cNvPr id="5129" name="Date Placeholder 3">
+            <a:extLst>
+              <a:ext uri="{FF2B5EF4-FFF2-40B4-BE49-F238E27FC236}">
+                <a16:creationId xmlns:a16="http://schemas.microsoft.com/office/drawing/2014/main" id="{9C41B854-6B1C-5DF5-FFD5-1B66324B4B55}"/>
+              </a:ext>
+            </a:extLst>
+          </p:cNvPr>
+          <p:cNvSpPr>
+            <a:spLocks noGrp="1"/>
+          </p:cNvSpPr>
+          <p:nvPr>
+            <p:ph type="dt" sz="half" idx="10"/>
           </p:nvPr>
         </p:nvSpPr>
         <p:spPr>
           <a:xfrm>
-            <a:off x="581192" y="702156"/>
-            <a:ext cx="11029615" cy="5273194"/>
+            <a:off x="7605951" y="6423914"/>
+            <a:ext cx="2844799" cy="365125"/>
           </a:xfrm>
         </p:spPr>
         <p:txBody>
-          <a:bodyPr>
-            <a:normAutofit/>
-          </a:bodyPr>
+          <a:bodyPr/>
           <a:lstStyle/>
           <a:p>
-            <a:pPr marL="0" indent="0">
-              <a:buNone/>
+            <a:pPr>
+              <a:spcAft>
+                <a:spcPts val="600"/>
+              </a:spcAft>
             </a:pPr>
-            <a:r>
-              <a:rPr lang="ro-RO" dirty="0"/>
-              <a:t>Criptografia asimetrică</a:t>
-            </a:r>
-          </a:p>
-          <a:p>
-            <a:r>
-              <a:rPr lang="ro-RO" dirty="0"/>
-              <a:t>PGP utilizează criptografia asimetrică (sau criptografia cu chei publice și private) pentru a asigura confidențialitatea și autenticitatea mesajelor. Fiecare utilizator are o pereche de chei, una publică și una privată. Cheia publică este folosită pentru criptarea mesajelor, în timp ce cheia privată este utilizată pentru decriptarea acestora.</a:t>
-            </a:r>
-          </a:p>
-          <a:p>
-            <a:endParaRPr lang="ro-RO" dirty="0"/>
-          </a:p>
-          <a:p>
-            <a:pPr marL="0" indent="0">
-              <a:buNone/>
-            </a:pPr>
-            <a:r>
-              <a:rPr lang="ro-RO" dirty="0"/>
-              <a:t>Criptografia simetrică</a:t>
-            </a:r>
-          </a:p>
-          <a:p>
-            <a:r>
-              <a:rPr lang="ro-RO" dirty="0"/>
-              <a:t>PGP combină avantajele criptografiei asimetrice cu eficiența criptografiei simetrice. Atunci când se criptează un mesaj, PGP generează o cheie de sesiune temporară pentru criptarea simetrică a conținutului mesajului. Această cheie de sesiune este apoi criptată cu cheia publică a destinatarului și este inclusă în mesajul criptat.</a:t>
-            </a:r>
+            <a:fld id="{9C9A9B65-20C9-4F15-B5F6-7E0990AFCC4E}" type="datetime1">
+              <a:rPr lang="ro-RO" smtClean="0"/>
+              <a:pPr>
+                <a:spcAft>
+                  <a:spcPts val="600"/>
+                </a:spcAft>
+              </a:pPr>
+              <a:t>01.04.2023</a:t>
+            </a:fld>
+            <a:endParaRPr lang="en-US"/>
           </a:p>
         </p:txBody>
       </p:sp>
     </p:spTree>
     <p:extLst>
       <p:ext uri="{BB962C8B-B14F-4D97-AF65-F5344CB8AC3E}">
-        <p14:creationId xmlns:p14="http://schemas.microsoft.com/office/powerpoint/2010/main" val="3229392653"/>
+        <p14:creationId xmlns:p14="http://schemas.microsoft.com/office/powerpoint/2010/main" val="2903612425"/>
       </p:ext>
     </p:extLst>
   </p:cSld>
@@ -6391,43 +6604,31 @@
             </a:pPr>
             <a:r>
               <a:rPr lang="ro-RO" dirty="0"/>
-              <a:t>Funcția de hash – Utilizare in PGP</a:t>
-            </a:r>
-          </a:p>
-          <a:p>
-            <a:r>
-              <a:rPr lang="ro-RO" b="0" i="0" dirty="0">
-                <a:solidFill>
-                  <a:srgbClr val="374151"/>
-                </a:solidFill>
-                <a:effectLst/>
-                <a:latin typeface="Söhne"/>
-              </a:rPr>
-              <a:t>Generarea semnăturilor digitale: PGP utilizează funcții de hash pentru a crea semnături digitale ale mesajelor. În acest proces, emițătorul aplică o funcție de hash asupra mesajului pentru a genera un rezumat criptografic. Apoi, acest rezumat este criptat cu cheia privată a emițătorului pentru a crea semnătura digitală. Destinatarul poate verifica semnătura digitală decriptând-o cu cheia publică a emițătorului și comparând rezumatul obținut cu cel calculat prin aplicarea aceleiași funcții de hash asupra mesajului primit.</a:t>
-            </a:r>
-          </a:p>
-          <a:p>
-            <a:r>
-              <a:rPr lang="ro-RO" b="0" i="0" dirty="0">
-                <a:solidFill>
-                  <a:srgbClr val="374151"/>
-                </a:solidFill>
-                <a:effectLst/>
-                <a:latin typeface="Söhne"/>
-              </a:rPr>
-              <a:t>Derivarea cheilor: PGP folosește funcții de hash pentru a deriva chei criptografice în procesul de negociere a cheilor de sesiune. Acest mecanism asigură că informațiile sensibile, cum ar fi cheile simetrice folosite pentru criptarea mesajelor, sunt transmise în mod sigur între utilizatori. Funcția de hash poate fi, de asemenea, folosită pentru a deriva chei criptografice mai lungi din chei mai scurte, prin aplicarea succesivă a funcției de hash până când se obține o lungime dorită.</a:t>
-            </a:r>
-          </a:p>
-          <a:p>
-            <a:r>
-              <a:rPr lang="ro-RO" b="0" i="0" dirty="0">
-                <a:solidFill>
-                  <a:srgbClr val="374151"/>
-                </a:solidFill>
-                <a:effectLst/>
-                <a:latin typeface="Söhne"/>
-              </a:rPr>
-              <a:t>Verificarea integrității: Funcțiile de hash sunt utilizate în PGP pentru a asigura integritatea datelor transmise. Atunci când se criptează un mesaj, PGP poate calcula un rezumat criptografic al mesajului original și să îl includă în mesajul criptat. La decriptare, destinatarul poate recalcula valoarea hash a mesajului decriptat și să o compare cu valoarea inclusă în mesajul criptat pentru a verifica dacă mesajul a fost alterat în timpul transmiterii.</a:t>
+              <a:t>Criptografia asimetrică</a:t>
+            </a:r>
+          </a:p>
+          <a:p>
+            <a:r>
+              <a:rPr lang="ro-RO" dirty="0"/>
+              <a:t>PGP utilizează criptografia asimetrică (sau criptografia cu chei publice și private) pentru a asigura confidențialitatea și autenticitatea mesajelor. Fiecare utilizator are o pereche de chei, una publică și una privată. Cheia publică este folosită pentru criptarea mesajelor, în timp ce cheia privată este utilizată pentru decriptarea acestora.</a:t>
+            </a:r>
+          </a:p>
+          <a:p>
+            <a:endParaRPr lang="ro-RO" dirty="0"/>
+          </a:p>
+          <a:p>
+            <a:pPr marL="0" indent="0">
+              <a:buNone/>
+            </a:pPr>
+            <a:r>
+              <a:rPr lang="ro-RO" dirty="0"/>
+              <a:t>Criptografia simetrică</a:t>
+            </a:r>
+          </a:p>
+          <a:p>
+            <a:r>
+              <a:rPr lang="ro-RO" dirty="0"/>
+              <a:t>PGP combină avantajele criptografiei asimetrice cu eficiența criptografiei simetrice. Atunci când se criptează un mesaj, PGP generează o cheie de sesiune temporară pentru criptarea simetrică a conținutului mesajului. Această cheie de sesiune este apoi criptată cu cheia publică a destinatarului și este inclusă în mesajul criptat.</a:t>
             </a:r>
           </a:p>
         </p:txBody>
@@ -6435,7 +6636,7 @@
     </p:spTree>
     <p:extLst>
       <p:ext uri="{BB962C8B-B14F-4D97-AF65-F5344CB8AC3E}">
-        <p14:creationId xmlns:p14="http://schemas.microsoft.com/office/powerpoint/2010/main" val="2071555124"/>
+        <p14:creationId xmlns:p14="http://schemas.microsoft.com/office/powerpoint/2010/main" val="3229392653"/>
       </p:ext>
     </p:extLst>
   </p:cSld>
@@ -6462,54 +6663,95 @@
           <a:chExt cx="0" cy="0"/>
         </a:xfrm>
       </p:grpSpPr>
-      <p:sp>
-        <p:nvSpPr>
-          <p:cNvPr id="5" name="Substituent conținut 4">
+      <p:pic>
+        <p:nvPicPr>
+          <p:cNvPr id="1026" name="Picture 2">
             <a:extLst>
               <a:ext uri="{FF2B5EF4-FFF2-40B4-BE49-F238E27FC236}">
-                <a16:creationId xmlns:a16="http://schemas.microsoft.com/office/drawing/2014/main" id="{5984CC03-EC2C-92CE-6AF7-B9C31EA16C6A}"/>
+                <a16:creationId xmlns:a16="http://schemas.microsoft.com/office/drawing/2014/main" id="{67FE7019-89BB-53F4-A293-E4384F1B8E0C}"/>
               </a:ext>
             </a:extLst>
           </p:cNvPr>
-          <p:cNvSpPr>
-            <a:spLocks noGrp="1"/>
-          </p:cNvSpPr>
+          <p:cNvPicPr>
+            <a:picLocks noGrp="1" noChangeAspect="1" noChangeArrowheads="1"/>
+          </p:cNvPicPr>
           <p:nvPr>
             <p:ph idx="1"/>
+          </p:nvPr>
+        </p:nvPicPr>
+        <p:blipFill>
+          <a:blip r:embed="rId2">
+            <a:extLst>
+              <a:ext uri="{28A0092B-C50C-407E-A947-70E740481C1C}">
+                <a14:useLocalDpi xmlns:a14="http://schemas.microsoft.com/office/drawing/2010/main" val="0"/>
+              </a:ext>
+            </a:extLst>
+          </a:blip>
+          <a:stretch>
+            <a:fillRect/>
+          </a:stretch>
+        </p:blipFill>
+        <p:spPr bwMode="auto">
+          <a:xfrm>
+            <a:off x="2216186" y="1518828"/>
+            <a:ext cx="7759627" cy="3634486"/>
+          </a:xfrm>
+          <a:prstGeom prst="rect">
+            <a:avLst/>
+          </a:prstGeom>
+          <a:solidFill>
+            <a:srgbClr val="FFFFFF"/>
+          </a:solidFill>
+        </p:spPr>
+      </p:pic>
+      <p:sp>
+        <p:nvSpPr>
+          <p:cNvPr id="1033" name="Date Placeholder 3">
+            <a:extLst>
+              <a:ext uri="{FF2B5EF4-FFF2-40B4-BE49-F238E27FC236}">
+                <a16:creationId xmlns:a16="http://schemas.microsoft.com/office/drawing/2014/main" id="{C898FB4D-25C0-0FA4-C60A-81D656699EBB}"/>
+              </a:ext>
+            </a:extLst>
+          </p:cNvPr>
+          <p:cNvSpPr>
+            <a:spLocks noGrp="1"/>
+          </p:cNvSpPr>
+          <p:nvPr>
+            <p:ph type="dt" sz="half" idx="10"/>
           </p:nvPr>
         </p:nvSpPr>
         <p:spPr>
           <a:xfrm>
-            <a:off x="581192" y="702156"/>
-            <a:ext cx="11029615" cy="5273194"/>
+            <a:off x="7605951" y="6423914"/>
+            <a:ext cx="2844799" cy="365125"/>
           </a:xfrm>
         </p:spPr>
         <p:txBody>
-          <a:bodyPr>
-            <a:normAutofit/>
-          </a:bodyPr>
+          <a:bodyPr/>
           <a:lstStyle/>
           <a:p>
-            <a:pPr marL="0" indent="0" algn="ctr">
-              <a:buNone/>
+            <a:pPr>
+              <a:spcAft>
+                <a:spcPts val="600"/>
+              </a:spcAft>
             </a:pPr>
-            <a:r>
-              <a:rPr lang="ro-RO" sz="3600" b="0" i="0" dirty="0">
-                <a:solidFill>
-                  <a:srgbClr val="374151"/>
-                </a:solidFill>
-                <a:effectLst/>
-                <a:latin typeface="Söhne"/>
-              </a:rPr>
-              <a:t>Certificate PGP</a:t>
-            </a:r>
+            <a:fld id="{9C9A9B65-20C9-4F15-B5F6-7E0990AFCC4E}" type="datetime1">
+              <a:rPr lang="ro-RO" smtClean="0"/>
+              <a:pPr>
+                <a:spcAft>
+                  <a:spcPts val="600"/>
+                </a:spcAft>
+              </a:pPr>
+              <a:t>01.04.2023</a:t>
+            </a:fld>
+            <a:endParaRPr lang="en-US"/>
           </a:p>
         </p:txBody>
       </p:sp>
     </p:spTree>
     <p:extLst>
       <p:ext uri="{BB962C8B-B14F-4D97-AF65-F5344CB8AC3E}">
-        <p14:creationId xmlns:p14="http://schemas.microsoft.com/office/powerpoint/2010/main" val="3099034674"/>
+        <p14:creationId xmlns:p14="http://schemas.microsoft.com/office/powerpoint/2010/main" val="1447785842"/>
       </p:ext>
     </p:extLst>
   </p:cSld>
@@ -6560,7 +6802,7 @@
         </p:spPr>
         <p:txBody>
           <a:bodyPr>
-            <a:normAutofit lnSpcReduction="10000"/>
+            <a:normAutofit/>
           </a:bodyPr>
           <a:lstStyle/>
           <a:p>
@@ -6569,66 +6811,43 @@
             </a:pPr>
             <a:r>
               <a:rPr lang="ro-RO" dirty="0"/>
-              <a:t>Conceptul de certificat PGP</a:t>
-            </a:r>
-          </a:p>
-          <a:p>
-            <a:r>
-              <a:rPr lang="ro-RO" dirty="0"/>
-              <a:t>Certificatele PGP, cunoscute și sub numele de chei publice PGP, sunt instrumente folosite pentru a asocia o identitate digitală cu o pereche de chei criptografice. Aceste certificate permit utilizatorilor să comunice în mod securizat și să verifice autenticitatea mesajelor. Un certificat PGP este compus dintr-o cheie publică, informații despre deținătorul acelei chei și meta date relevante, precum și eventualele semnături ale altor utilizatori care atestă încrederea în acel certificat.</a:t>
-            </a:r>
-          </a:p>
-          <a:p>
-            <a:pPr marL="0" indent="0">
-              <a:buNone/>
-            </a:pPr>
-            <a:endParaRPr lang="ro-RO" dirty="0"/>
-          </a:p>
-          <a:p>
-            <a:pPr marL="0" indent="0">
-              <a:buNone/>
-            </a:pPr>
-            <a:r>
-              <a:rPr lang="ro-RO" dirty="0"/>
-              <a:t>Un certificat PGP este alcătuit din următoarele componente:</a:t>
-            </a:r>
-          </a:p>
-          <a:p>
-            <a:r>
-              <a:rPr lang="ro-RO" dirty="0"/>
-              <a:t>Cheia publică: O cheie criptografică asimetrică utilizată pentru criptarea și decriptarea mesajelor și pentru verificarea semnăturilor digitale.</a:t>
-            </a:r>
-          </a:p>
-          <a:p>
-            <a:r>
-              <a:rPr lang="ro-RO" dirty="0"/>
-              <a:t>Identitatea deținătorului: Numele, adresa de e-mail sau alte informații legate de identitatea deținătorului cheii.</a:t>
-            </a:r>
-          </a:p>
-          <a:p>
-            <a:r>
-              <a:rPr lang="ro-RO" dirty="0"/>
-              <a:t>Algoritmul de criptare: Algoritmul de criptare asimetrică utilizat pentru generarea perechii de chei (de exemplu, RSA, </a:t>
-            </a:r>
-            <a:r>
-              <a:rPr lang="ro-RO" dirty="0" err="1"/>
-              <a:t>ElGamal</a:t>
-            </a:r>
-            <a:r>
-              <a:rPr lang="ro-RO" dirty="0"/>
-              <a:t>, ECC).</a:t>
-            </a:r>
-          </a:p>
-          <a:p>
-            <a:r>
-              <a:rPr lang="ro-RO" dirty="0"/>
-              <a:t>Perioada de valabilitate: Intervalul de timp în care cheia este considerată validă.</a:t>
-            </a:r>
-          </a:p>
-          <a:p>
-            <a:r>
-              <a:rPr lang="ro-RO" dirty="0"/>
-              <a:t>Semnături ale altor utilizatori: Semnături digitale ale altor utilizatori care atestă încrederea în certificatul respectiv.</a:t>
+              <a:t>Funcția de hash – Utilizare in PGP</a:t>
+            </a:r>
+          </a:p>
+          <a:p>
+            <a:r>
+              <a:rPr lang="ro-RO" b="0" i="0" dirty="0">
+                <a:solidFill>
+                  <a:srgbClr val="374151"/>
+                </a:solidFill>
+                <a:effectLst/>
+                <a:latin typeface="Söhne"/>
+              </a:rPr>
+              <a:t>Generarea semnăturilor digitale: PGP utilizează funcții de hash pentru a crea semnături digitale ale mesajelor. În acest proces, emițătorul aplică o funcție de hash asupra mesajului pentru a genera un rezumat criptografic. Apoi, acest rezumat este criptat cu cheia privată a emițătorului pentru a crea semnătura digitală. Destinatarul poate verifica semnătura digitală decriptând-o cu cheia publică a emițătorului și comparând rezumatul obținut cu cel calculat prin aplicarea aceleiași funcții de hash asupra mesajului primit.</a:t>
+            </a:r>
+          </a:p>
+          <a:p>
+            <a:r>
+              <a:rPr lang="ro-RO" b="0" i="0" dirty="0">
+                <a:solidFill>
+                  <a:srgbClr val="374151"/>
+                </a:solidFill>
+                <a:effectLst/>
+                <a:latin typeface="Söhne"/>
+              </a:rPr>
+              <a:t>Derivarea cheilor: PGP folosește funcții de hash pentru a deriva chei criptografice în procesul de negociere a cheilor de sesiune. Acest mecanism asigură că informațiile sensibile, cum ar fi cheile simetrice folosite pentru criptarea mesajelor, sunt transmise în mod sigur între utilizatori. Funcția de hash poate fi, de asemenea, folosită pentru a deriva chei criptografice mai lungi din chei mai scurte, prin aplicarea succesivă a funcției de hash până când se obține o lungime dorită.</a:t>
+            </a:r>
+          </a:p>
+          <a:p>
+            <a:r>
+              <a:rPr lang="ro-RO" b="0" i="0" dirty="0">
+                <a:solidFill>
+                  <a:srgbClr val="374151"/>
+                </a:solidFill>
+                <a:effectLst/>
+                <a:latin typeface="Söhne"/>
+              </a:rPr>
+              <a:t>Verificarea integrității: Funcțiile de hash sunt utilizate în PGP pentru a asigura integritatea datelor transmise. Atunci când se criptează un mesaj, PGP poate calcula un rezumat criptografic al mesajului original și să îl includă în mesajul criptat. La decriptare, destinatarul poate recalcula valoarea hash a mesajului decriptat și să o compare cu valoarea inclusă în mesajul criptat pentru a verifica dacă mesajul a fost alterat în timpul transmiterii.</a:t>
             </a:r>
           </a:p>
         </p:txBody>
@@ -6636,7 +6855,7 @@
     </p:spTree>
     <p:extLst>
       <p:ext uri="{BB962C8B-B14F-4D97-AF65-F5344CB8AC3E}">
-        <p14:creationId xmlns:p14="http://schemas.microsoft.com/office/powerpoint/2010/main" val="1597490219"/>
+        <p14:creationId xmlns:p14="http://schemas.microsoft.com/office/powerpoint/2010/main" val="2071555124"/>
       </p:ext>
     </p:extLst>
   </p:cSld>
@@ -6663,68 +6882,50 @@
           <a:chExt cx="0" cy="0"/>
         </a:xfrm>
       </p:grpSpPr>
-      <p:sp>
-        <p:nvSpPr>
-          <p:cNvPr id="4" name="Substituent conținut 3">
+      <p:pic>
+        <p:nvPicPr>
+          <p:cNvPr id="2050" name="Picture 2">
             <a:extLst>
               <a:ext uri="{FF2B5EF4-FFF2-40B4-BE49-F238E27FC236}">
-                <a16:creationId xmlns:a16="http://schemas.microsoft.com/office/drawing/2014/main" id="{996B05E9-27F7-2D4F-E2EA-62D141905569}"/>
+                <a16:creationId xmlns:a16="http://schemas.microsoft.com/office/drawing/2014/main" id="{693E4C92-8728-5651-C807-66828B777826}"/>
               </a:ext>
             </a:extLst>
           </p:cNvPr>
-          <p:cNvSpPr>
-            <a:spLocks noGrp="1"/>
-          </p:cNvSpPr>
+          <p:cNvPicPr>
+            <a:picLocks noGrp="1" noChangeAspect="1" noChangeArrowheads="1"/>
+          </p:cNvPicPr>
           <p:nvPr>
             <p:ph idx="1"/>
           </p:nvPr>
-        </p:nvSpPr>
-        <p:spPr>
+        </p:nvPicPr>
+        <p:blipFill rotWithShape="1">
+          <a:blip r:embed="rId2">
+            <a:extLst>
+              <a:ext uri="{28A0092B-C50C-407E-A947-70E740481C1C}">
+                <a14:useLocalDpi xmlns:a14="http://schemas.microsoft.com/office/drawing/2010/main" val="0"/>
+              </a:ext>
+            </a:extLst>
+          </a:blip>
+          <a:srcRect t="13069" r="1" b="15748"/>
+          <a:stretch/>
+        </p:blipFill>
+        <p:spPr bwMode="auto">
           <a:xfrm>
-            <a:off x="581192" y="702156"/>
-            <a:ext cx="11029615" cy="5273194"/>
+            <a:off x="2475634" y="1560145"/>
+            <a:ext cx="7240732" cy="3737710"/>
           </a:xfrm>
+          <a:prstGeom prst="rect">
+            <a:avLst/>
+          </a:prstGeom>
+          <a:solidFill>
+            <a:srgbClr val="FFFFFF"/>
+          </a:solidFill>
         </p:spPr>
-        <p:txBody>
-          <a:bodyPr>
-            <a:normAutofit/>
-          </a:bodyPr>
-          <a:lstStyle/>
-          <a:p>
-            <a:pPr marL="0" indent="0">
-              <a:buNone/>
-            </a:pPr>
-            <a:r>
-              <a:rPr lang="ro-RO" dirty="0"/>
-              <a:t>Generarea și gestionarea certificatelor PGP</a:t>
-            </a:r>
-          </a:p>
-          <a:p>
-            <a:r>
-              <a:rPr lang="ro-RO" dirty="0"/>
-              <a:t>Generarea unui certificat PGP implică crearea unei perechi de chei, publică și privată, și asocierea identității deținătorului cu cheia publică. Utilizatorii pot genera certificate PGP folosind software-ul PGP sau alte aplicații compatibile, precum </a:t>
-            </a:r>
-            <a:r>
-              <a:rPr lang="ro-RO" dirty="0" err="1"/>
-              <a:t>GnuPG</a:t>
-            </a:r>
-            <a:r>
-              <a:rPr lang="ro-RO" dirty="0"/>
-              <a:t>. Odată ce un certificat a fost generat, deținătorul trebuie să îl distribuie celorlalți utilizatori pentru a permite comunicarea securizată și verificarea semnăturilor digitale.</a:t>
-            </a:r>
-          </a:p>
-          <a:p>
-            <a:r>
-              <a:rPr lang="ro-RO" dirty="0"/>
-              <a:t>Gestionarea certificatelor PGP include importarea, exportarea, actualizarea și revocarea certificatelor. Utilizatorii trebuie să mențină un inel de chei, care conține toate certificatele PGP de încredere, pentru a putea comunica în mod securizat cu alte persoane.</a:t>
-            </a:r>
-          </a:p>
-        </p:txBody>
-      </p:sp>
+      </p:pic>
     </p:spTree>
     <p:extLst>
       <p:ext uri="{BB962C8B-B14F-4D97-AF65-F5344CB8AC3E}">
-        <p14:creationId xmlns:p14="http://schemas.microsoft.com/office/powerpoint/2010/main" val="2940827832"/>
+        <p14:creationId xmlns:p14="http://schemas.microsoft.com/office/powerpoint/2010/main" val="265017925"/>
       </p:ext>
     </p:extLst>
   </p:cSld>
@@ -6790,7 +6991,7 @@
                 <a:effectLst/>
                 <a:latin typeface="Söhne"/>
               </a:rPr>
-              <a:t>Stabilirea relațiilor de încredere</a:t>
+              <a:t>Certificate PGP</a:t>
             </a:r>
           </a:p>
         </p:txBody>
@@ -6798,7 +6999,7 @@
     </p:spTree>
     <p:extLst>
       <p:ext uri="{BB962C8B-B14F-4D97-AF65-F5344CB8AC3E}">
-        <p14:creationId xmlns:p14="http://schemas.microsoft.com/office/powerpoint/2010/main" val="3456456156"/>
+        <p14:creationId xmlns:p14="http://schemas.microsoft.com/office/powerpoint/2010/main" val="3099034674"/>
       </p:ext>
     </p:extLst>
   </p:cSld>
@@ -6811,7 +7012,7 @@
 <file path=ppt/theme/theme1.xml><?xml version="1.0" encoding="utf-8"?>
 <a:theme xmlns:a="http://schemas.openxmlformats.org/drawingml/2006/main" name="DividendVTI">
   <a:themeElements>
-    <a:clrScheme name="Blue II">
+    <a:clrScheme name="Violet II">
       <a:dk1>
         <a:sysClr val="windowText" lastClr="000000"/>
       </a:dk1>
@@ -6819,34 +7020,34 @@
         <a:sysClr val="window" lastClr="FFFFFF"/>
       </a:lt1>
       <a:dk2>
-        <a:srgbClr val="335B74"/>
+        <a:srgbClr val="632E62"/>
       </a:dk2>
       <a:lt2>
-        <a:srgbClr val="DFE3E5"/>
+        <a:srgbClr val="EAE5EB"/>
       </a:lt2>
       <a:accent1>
-        <a:srgbClr val="1CADE4"/>
+        <a:srgbClr val="92278F"/>
       </a:accent1>
       <a:accent2>
-        <a:srgbClr val="2683C6"/>
+        <a:srgbClr val="9B57D3"/>
       </a:accent2>
       <a:accent3>
-        <a:srgbClr val="27CED7"/>
+        <a:srgbClr val="755DD9"/>
       </a:accent3>
       <a:accent4>
-        <a:srgbClr val="42BA97"/>
+        <a:srgbClr val="665EB8"/>
       </a:accent4>
       <a:accent5>
-        <a:srgbClr val="3E8853"/>
+        <a:srgbClr val="45A5ED"/>
       </a:accent5>
       <a:accent6>
-        <a:srgbClr val="62A39F"/>
+        <a:srgbClr val="5982DB"/>
       </a:accent6>
       <a:hlink>
-        <a:srgbClr val="6EAC1C"/>
+        <a:srgbClr val="0066FF"/>
       </a:hlink>
       <a:folHlink>
-        <a:srgbClr val="B26B02"/>
+        <a:srgbClr val="666699"/>
       </a:folHlink>
     </a:clrScheme>
     <a:fontScheme name="Dividend">
